--- a/卢老师论文汇报/pso优化算法.pptx
+++ b/卢老师论文汇报/pso优化算法.pptx
@@ -4,6 +4,9 @@
   <p:sldMasterIdLst>
     <p:sldMasterId id="2147483648" r:id="rId1"/>
   </p:sldMasterIdLst>
+  <p:notesMasterIdLst>
+    <p:notesMasterId r:id="rId12"/>
+  </p:notesMasterIdLst>
   <p:sldIdLst>
     <p:sldId id="256" r:id="rId2"/>
     <p:sldId id="260" r:id="rId3"/>
@@ -121,6 +124,355 @@
 </p:presentation>
 </file>
 
+<file path=ppt/notesMasters/notesMaster1.xml><?xml version="1.0" encoding="utf-8"?>
+<p:notesMaster xmlns:a="http://schemas.openxmlformats.org/drawingml/2006/main" xmlns:r="http://schemas.openxmlformats.org/officeDocument/2006/relationships" xmlns:p="http://schemas.openxmlformats.org/presentationml/2006/main">
+  <p:cSld>
+    <p:bg>
+      <p:bgRef idx="1001">
+        <a:schemeClr val="bg1"/>
+      </p:bgRef>
+    </p:bg>
+    <p:spTree>
+      <p:nvGrpSpPr>
+        <p:cNvPr id="1" name=""/>
+        <p:cNvGrpSpPr/>
+        <p:nvPr/>
+      </p:nvGrpSpPr>
+      <p:grpSpPr>
+        <a:xfrm>
+          <a:off x="0" y="0"/>
+          <a:ext cx="0" cy="0"/>
+          <a:chOff x="0" y="0"/>
+          <a:chExt cx="0" cy="0"/>
+        </a:xfrm>
+      </p:grpSpPr>
+      <p:sp>
+        <p:nvSpPr>
+          <p:cNvPr id="2" name="页眉占位符 1"/>
+          <p:cNvSpPr>
+            <a:spLocks noGrp="1"/>
+          </p:cNvSpPr>
+          <p:nvPr>
+            <p:ph type="hdr" sz="quarter"/>
+          </p:nvPr>
+        </p:nvSpPr>
+        <p:spPr>
+          <a:xfrm>
+            <a:off x="0" y="0"/>
+            <a:ext cx="2971800" cy="458788"/>
+          </a:xfrm>
+          <a:prstGeom prst="rect">
+            <a:avLst/>
+          </a:prstGeom>
+        </p:spPr>
+        <p:txBody>
+          <a:bodyPr vert="horz" lIns="91440" tIns="45720" rIns="91440" bIns="45720" rtlCol="0"/>
+          <a:lstStyle>
+            <a:lvl1pPr algn="l">
+              <a:defRPr sz="1200"/>
+            </a:lvl1pPr>
+          </a:lstStyle>
+          <a:p>
+            <a:endParaRPr lang="zh-CN" altLang="en-US"/>
+          </a:p>
+        </p:txBody>
+      </p:sp>
+      <p:sp>
+        <p:nvSpPr>
+          <p:cNvPr id="3" name="日期占位符 2"/>
+          <p:cNvSpPr>
+            <a:spLocks noGrp="1"/>
+          </p:cNvSpPr>
+          <p:nvPr>
+            <p:ph type="dt" idx="1"/>
+          </p:nvPr>
+        </p:nvSpPr>
+        <p:spPr>
+          <a:xfrm>
+            <a:off x="3884613" y="0"/>
+            <a:ext cx="2971800" cy="458788"/>
+          </a:xfrm>
+          <a:prstGeom prst="rect">
+            <a:avLst/>
+          </a:prstGeom>
+        </p:spPr>
+        <p:txBody>
+          <a:bodyPr vert="horz" lIns="91440" tIns="45720" rIns="91440" bIns="45720" rtlCol="0"/>
+          <a:lstStyle>
+            <a:lvl1pPr algn="r">
+              <a:defRPr sz="1200"/>
+            </a:lvl1pPr>
+          </a:lstStyle>
+          <a:p>
+            <a:fld id="{16796F68-0E60-475D-BB87-562F6F115903}" type="datetimeFigureOut">
+              <a:rPr lang="zh-CN" altLang="en-US" smtClean="0"/>
+              <a:t>2023/10/23</a:t>
+            </a:fld>
+            <a:endParaRPr lang="zh-CN" altLang="en-US"/>
+          </a:p>
+        </p:txBody>
+      </p:sp>
+      <p:sp>
+        <p:nvSpPr>
+          <p:cNvPr id="4" name="幻灯片图像占位符 3"/>
+          <p:cNvSpPr>
+            <a:spLocks noGrp="1" noRot="1" noChangeAspect="1"/>
+          </p:cNvSpPr>
+          <p:nvPr>
+            <p:ph type="sldImg" idx="2"/>
+          </p:nvPr>
+        </p:nvSpPr>
+        <p:spPr>
+          <a:xfrm>
+            <a:off x="685800" y="1143000"/>
+            <a:ext cx="5486400" cy="3086100"/>
+          </a:xfrm>
+          <a:prstGeom prst="rect">
+            <a:avLst/>
+          </a:prstGeom>
+          <a:noFill/>
+          <a:ln w="12700">
+            <a:solidFill>
+              <a:prstClr val="black"/>
+            </a:solidFill>
+          </a:ln>
+        </p:spPr>
+        <p:txBody>
+          <a:bodyPr vert="horz" lIns="91440" tIns="45720" rIns="91440" bIns="45720" rtlCol="0" anchor="ctr"/>
+          <a:lstStyle/>
+          <a:p>
+            <a:endParaRPr lang="zh-CN" altLang="en-US"/>
+          </a:p>
+        </p:txBody>
+      </p:sp>
+      <p:sp>
+        <p:nvSpPr>
+          <p:cNvPr id="5" name="备注占位符 4"/>
+          <p:cNvSpPr>
+            <a:spLocks noGrp="1"/>
+          </p:cNvSpPr>
+          <p:nvPr>
+            <p:ph type="body" sz="quarter" idx="3"/>
+          </p:nvPr>
+        </p:nvSpPr>
+        <p:spPr>
+          <a:xfrm>
+            <a:off x="685800" y="4400550"/>
+            <a:ext cx="5486400" cy="3600450"/>
+          </a:xfrm>
+          <a:prstGeom prst="rect">
+            <a:avLst/>
+          </a:prstGeom>
+        </p:spPr>
+        <p:txBody>
+          <a:bodyPr vert="horz" lIns="91440" tIns="45720" rIns="91440" bIns="45720" rtlCol="0"/>
+          <a:lstStyle/>
+          <a:p>
+            <a:pPr lvl="0"/>
+            <a:r>
+              <a:rPr lang="zh-CN" altLang="en-US"/>
+              <a:t>编辑母版文本样式</a:t>
+            </a:r>
+          </a:p>
+          <a:p>
+            <a:pPr lvl="1"/>
+            <a:r>
+              <a:rPr lang="zh-CN" altLang="en-US"/>
+              <a:t>第二级</a:t>
+            </a:r>
+          </a:p>
+          <a:p>
+            <a:pPr lvl="2"/>
+            <a:r>
+              <a:rPr lang="zh-CN" altLang="en-US"/>
+              <a:t>第三级</a:t>
+            </a:r>
+          </a:p>
+          <a:p>
+            <a:pPr lvl="3"/>
+            <a:r>
+              <a:rPr lang="zh-CN" altLang="en-US"/>
+              <a:t>第四级</a:t>
+            </a:r>
+          </a:p>
+          <a:p>
+            <a:pPr lvl="4"/>
+            <a:r>
+              <a:rPr lang="zh-CN" altLang="en-US"/>
+              <a:t>第五级</a:t>
+            </a:r>
+          </a:p>
+        </p:txBody>
+      </p:sp>
+      <p:sp>
+        <p:nvSpPr>
+          <p:cNvPr id="6" name="页脚占位符 5"/>
+          <p:cNvSpPr>
+            <a:spLocks noGrp="1"/>
+          </p:cNvSpPr>
+          <p:nvPr>
+            <p:ph type="ftr" sz="quarter" idx="4"/>
+          </p:nvPr>
+        </p:nvSpPr>
+        <p:spPr>
+          <a:xfrm>
+            <a:off x="0" y="8685213"/>
+            <a:ext cx="2971800" cy="458787"/>
+          </a:xfrm>
+          <a:prstGeom prst="rect">
+            <a:avLst/>
+          </a:prstGeom>
+        </p:spPr>
+        <p:txBody>
+          <a:bodyPr vert="horz" lIns="91440" tIns="45720" rIns="91440" bIns="45720" rtlCol="0" anchor="b"/>
+          <a:lstStyle>
+            <a:lvl1pPr algn="l">
+              <a:defRPr sz="1200"/>
+            </a:lvl1pPr>
+          </a:lstStyle>
+          <a:p>
+            <a:endParaRPr lang="zh-CN" altLang="en-US"/>
+          </a:p>
+        </p:txBody>
+      </p:sp>
+      <p:sp>
+        <p:nvSpPr>
+          <p:cNvPr id="7" name="灯片编号占位符 6"/>
+          <p:cNvSpPr>
+            <a:spLocks noGrp="1"/>
+          </p:cNvSpPr>
+          <p:nvPr>
+            <p:ph type="sldNum" sz="quarter" idx="5"/>
+          </p:nvPr>
+        </p:nvSpPr>
+        <p:spPr>
+          <a:xfrm>
+            <a:off x="3884613" y="8685213"/>
+            <a:ext cx="2971800" cy="458787"/>
+          </a:xfrm>
+          <a:prstGeom prst="rect">
+            <a:avLst/>
+          </a:prstGeom>
+        </p:spPr>
+        <p:txBody>
+          <a:bodyPr vert="horz" lIns="91440" tIns="45720" rIns="91440" bIns="45720" rtlCol="0" anchor="b"/>
+          <a:lstStyle>
+            <a:lvl1pPr algn="r">
+              <a:defRPr sz="1200"/>
+            </a:lvl1pPr>
+          </a:lstStyle>
+          <a:p>
+            <a:fld id="{625899A0-F700-435D-ACBA-51AABBEF5FFE}" type="slidenum">
+              <a:rPr lang="zh-CN" altLang="en-US" smtClean="0"/>
+              <a:t>‹#›</a:t>
+            </a:fld>
+            <a:endParaRPr lang="zh-CN" altLang="en-US"/>
+          </a:p>
+        </p:txBody>
+      </p:sp>
+    </p:spTree>
+    <p:extLst>
+      <p:ext uri="{BB962C8B-B14F-4D97-AF65-F5344CB8AC3E}">
+        <p14:creationId xmlns:p14="http://schemas.microsoft.com/office/powerpoint/2010/main" val="1285649586"/>
+      </p:ext>
+    </p:extLst>
+  </p:cSld>
+  <p:clrMap bg1="lt1" tx1="dk1" bg2="lt2" tx2="dk2" accent1="accent1" accent2="accent2" accent3="accent3" accent4="accent4" accent5="accent5" accent6="accent6" hlink="hlink" folHlink="folHlink"/>
+  <p:notesStyle>
+    <a:lvl1pPr marL="0" algn="l" defTabSz="914400" rtl="0" eaLnBrk="1" latinLnBrk="0" hangingPunct="1">
+      <a:defRPr sz="1200" kern="1200">
+        <a:solidFill>
+          <a:schemeClr val="tx1"/>
+        </a:solidFill>
+        <a:latin typeface="+mn-lt"/>
+        <a:ea typeface="+mn-ea"/>
+        <a:cs typeface="+mn-cs"/>
+      </a:defRPr>
+    </a:lvl1pPr>
+    <a:lvl2pPr marL="457200" algn="l" defTabSz="914400" rtl="0" eaLnBrk="1" latinLnBrk="0" hangingPunct="1">
+      <a:defRPr sz="1200" kern="1200">
+        <a:solidFill>
+          <a:schemeClr val="tx1"/>
+        </a:solidFill>
+        <a:latin typeface="+mn-lt"/>
+        <a:ea typeface="+mn-ea"/>
+        <a:cs typeface="+mn-cs"/>
+      </a:defRPr>
+    </a:lvl2pPr>
+    <a:lvl3pPr marL="914400" algn="l" defTabSz="914400" rtl="0" eaLnBrk="1" latinLnBrk="0" hangingPunct="1">
+      <a:defRPr sz="1200" kern="1200">
+        <a:solidFill>
+          <a:schemeClr val="tx1"/>
+        </a:solidFill>
+        <a:latin typeface="+mn-lt"/>
+        <a:ea typeface="+mn-ea"/>
+        <a:cs typeface="+mn-cs"/>
+      </a:defRPr>
+    </a:lvl3pPr>
+    <a:lvl4pPr marL="1371600" algn="l" defTabSz="914400" rtl="0" eaLnBrk="1" latinLnBrk="0" hangingPunct="1">
+      <a:defRPr sz="1200" kern="1200">
+        <a:solidFill>
+          <a:schemeClr val="tx1"/>
+        </a:solidFill>
+        <a:latin typeface="+mn-lt"/>
+        <a:ea typeface="+mn-ea"/>
+        <a:cs typeface="+mn-cs"/>
+      </a:defRPr>
+    </a:lvl4pPr>
+    <a:lvl5pPr marL="1828800" algn="l" defTabSz="914400" rtl="0" eaLnBrk="1" latinLnBrk="0" hangingPunct="1">
+      <a:defRPr sz="1200" kern="1200">
+        <a:solidFill>
+          <a:schemeClr val="tx1"/>
+        </a:solidFill>
+        <a:latin typeface="+mn-lt"/>
+        <a:ea typeface="+mn-ea"/>
+        <a:cs typeface="+mn-cs"/>
+      </a:defRPr>
+    </a:lvl5pPr>
+    <a:lvl6pPr marL="2286000" algn="l" defTabSz="914400" rtl="0" eaLnBrk="1" latinLnBrk="0" hangingPunct="1">
+      <a:defRPr sz="1200" kern="1200">
+        <a:solidFill>
+          <a:schemeClr val="tx1"/>
+        </a:solidFill>
+        <a:latin typeface="+mn-lt"/>
+        <a:ea typeface="+mn-ea"/>
+        <a:cs typeface="+mn-cs"/>
+      </a:defRPr>
+    </a:lvl6pPr>
+    <a:lvl7pPr marL="2743200" algn="l" defTabSz="914400" rtl="0" eaLnBrk="1" latinLnBrk="0" hangingPunct="1">
+      <a:defRPr sz="1200" kern="1200">
+        <a:solidFill>
+          <a:schemeClr val="tx1"/>
+        </a:solidFill>
+        <a:latin typeface="+mn-lt"/>
+        <a:ea typeface="+mn-ea"/>
+        <a:cs typeface="+mn-cs"/>
+      </a:defRPr>
+    </a:lvl7pPr>
+    <a:lvl8pPr marL="3200400" algn="l" defTabSz="914400" rtl="0" eaLnBrk="1" latinLnBrk="0" hangingPunct="1">
+      <a:defRPr sz="1200" kern="1200">
+        <a:solidFill>
+          <a:schemeClr val="tx1"/>
+        </a:solidFill>
+        <a:latin typeface="+mn-lt"/>
+        <a:ea typeface="+mn-ea"/>
+        <a:cs typeface="+mn-cs"/>
+      </a:defRPr>
+    </a:lvl8pPr>
+    <a:lvl9pPr marL="3657600" algn="l" defTabSz="914400" rtl="0" eaLnBrk="1" latinLnBrk="0" hangingPunct="1">
+      <a:defRPr sz="1200" kern="1200">
+        <a:solidFill>
+          <a:schemeClr val="tx1"/>
+        </a:solidFill>
+        <a:latin typeface="+mn-lt"/>
+        <a:ea typeface="+mn-ea"/>
+        <a:cs typeface="+mn-cs"/>
+      </a:defRPr>
+    </a:lvl9pPr>
+  </p:notesStyle>
+</p:notesMaster>
+</file>
+
 <file path=ppt/slideLayouts/slideLayout1.xml><?xml version="1.0" encoding="utf-8"?>
 <p:sldLayout xmlns:a="http://schemas.openxmlformats.org/drawingml/2006/main" xmlns:r="http://schemas.openxmlformats.org/officeDocument/2006/relationships" xmlns:p="http://schemas.openxmlformats.org/presentationml/2006/main" type="title" preserve="1">
   <p:cSld name="标题幻灯片">
@@ -268,7 +620,7 @@
           <a:p>
             <a:fld id="{71F2D815-9F19-4685-8703-6FE290CCB513}" type="datetimeFigureOut">
               <a:rPr lang="zh-CN" altLang="en-US" smtClean="0"/>
-              <a:t>2023/10/22</a:t>
+              <a:t>2023/10/23</a:t>
             </a:fld>
             <a:endParaRPr lang="zh-CN" altLang="en-US"/>
           </a:p>
@@ -466,7 +818,7 @@
           <a:p>
             <a:fld id="{71F2D815-9F19-4685-8703-6FE290CCB513}" type="datetimeFigureOut">
               <a:rPr lang="zh-CN" altLang="en-US" smtClean="0"/>
-              <a:t>2023/10/22</a:t>
+              <a:t>2023/10/23</a:t>
             </a:fld>
             <a:endParaRPr lang="zh-CN" altLang="en-US"/>
           </a:p>
@@ -674,7 +1026,7 @@
           <a:p>
             <a:fld id="{71F2D815-9F19-4685-8703-6FE290CCB513}" type="datetimeFigureOut">
               <a:rPr lang="zh-CN" altLang="en-US" smtClean="0"/>
-              <a:t>2023/10/22</a:t>
+              <a:t>2023/10/23</a:t>
             </a:fld>
             <a:endParaRPr lang="zh-CN" altLang="en-US"/>
           </a:p>
@@ -872,7 +1224,7 @@
           <a:p>
             <a:fld id="{71F2D815-9F19-4685-8703-6FE290CCB513}" type="datetimeFigureOut">
               <a:rPr lang="zh-CN" altLang="en-US" smtClean="0"/>
-              <a:t>2023/10/22</a:t>
+              <a:t>2023/10/23</a:t>
             </a:fld>
             <a:endParaRPr lang="zh-CN" altLang="en-US"/>
           </a:p>
@@ -1147,7 +1499,7 @@
           <a:p>
             <a:fld id="{71F2D815-9F19-4685-8703-6FE290CCB513}" type="datetimeFigureOut">
               <a:rPr lang="zh-CN" altLang="en-US" smtClean="0"/>
-              <a:t>2023/10/22</a:t>
+              <a:t>2023/10/23</a:t>
             </a:fld>
             <a:endParaRPr lang="zh-CN" altLang="en-US"/>
           </a:p>
@@ -1412,7 +1764,7 @@
           <a:p>
             <a:fld id="{71F2D815-9F19-4685-8703-6FE290CCB513}" type="datetimeFigureOut">
               <a:rPr lang="zh-CN" altLang="en-US" smtClean="0"/>
-              <a:t>2023/10/22</a:t>
+              <a:t>2023/10/23</a:t>
             </a:fld>
             <a:endParaRPr lang="zh-CN" altLang="en-US"/>
           </a:p>
@@ -1824,7 +2176,7 @@
           <a:p>
             <a:fld id="{71F2D815-9F19-4685-8703-6FE290CCB513}" type="datetimeFigureOut">
               <a:rPr lang="zh-CN" altLang="en-US" smtClean="0"/>
-              <a:t>2023/10/22</a:t>
+              <a:t>2023/10/23</a:t>
             </a:fld>
             <a:endParaRPr lang="zh-CN" altLang="en-US"/>
           </a:p>
@@ -1965,7 +2317,7 @@
           <a:p>
             <a:fld id="{71F2D815-9F19-4685-8703-6FE290CCB513}" type="datetimeFigureOut">
               <a:rPr lang="zh-CN" altLang="en-US" smtClean="0"/>
-              <a:t>2023/10/22</a:t>
+              <a:t>2023/10/23</a:t>
             </a:fld>
             <a:endParaRPr lang="zh-CN" altLang="en-US"/>
           </a:p>
@@ -2078,7 +2430,7 @@
           <a:p>
             <a:fld id="{71F2D815-9F19-4685-8703-6FE290CCB513}" type="datetimeFigureOut">
               <a:rPr lang="zh-CN" altLang="en-US" smtClean="0"/>
-              <a:t>2023/10/22</a:t>
+              <a:t>2023/10/23</a:t>
             </a:fld>
             <a:endParaRPr lang="zh-CN" altLang="en-US"/>
           </a:p>
@@ -2389,7 +2741,7 @@
           <a:p>
             <a:fld id="{71F2D815-9F19-4685-8703-6FE290CCB513}" type="datetimeFigureOut">
               <a:rPr lang="zh-CN" altLang="en-US" smtClean="0"/>
-              <a:t>2023/10/22</a:t>
+              <a:t>2023/10/23</a:t>
             </a:fld>
             <a:endParaRPr lang="zh-CN" altLang="en-US"/>
           </a:p>
@@ -2677,7 +3029,7 @@
           <a:p>
             <a:fld id="{71F2D815-9F19-4685-8703-6FE290CCB513}" type="datetimeFigureOut">
               <a:rPr lang="zh-CN" altLang="en-US" smtClean="0"/>
-              <a:t>2023/10/22</a:t>
+              <a:t>2023/10/23</a:t>
             </a:fld>
             <a:endParaRPr lang="zh-CN" altLang="en-US"/>
           </a:p>
@@ -2918,7 +3270,7 @@
           <a:p>
             <a:fld id="{71F2D815-9F19-4685-8703-6FE290CCB513}" type="datetimeFigureOut">
               <a:rPr lang="zh-CN" altLang="en-US" smtClean="0"/>
-              <a:t>2023/10/22</a:t>
+              <a:t>2023/10/23</a:t>
             </a:fld>
             <a:endParaRPr lang="zh-CN" altLang="en-US"/>
           </a:p>
@@ -3752,7 +4104,18 @@
             </a:r>
             <a:r>
               <a:rPr lang="zh-CN" altLang="en-US" dirty="0"/>
-              <a:t>(PARTICLE SWARM OPTIMIZATION, PSO)</a:t>
+              <a:t>(</a:t>
+            </a:r>
+            <a:r>
+              <a:rPr lang="zh-CN" altLang="en-US" dirty="0">
+                <a:latin typeface="Times New Roman" panose="02020603050405020304" pitchFamily="18" charset="0"/>
+                <a:cs typeface="Times New Roman" panose="02020603050405020304" pitchFamily="18" charset="0"/>
+              </a:rPr>
+              <a:t>PARTICLE SWARM OPTIMIZATION, PSO</a:t>
+            </a:r>
+            <a:r>
+              <a:rPr lang="zh-CN" altLang="en-US" dirty="0"/>
+              <a:t>)</a:t>
             </a:r>
             <a:endParaRPr lang="en-US" altLang="zh-CN" dirty="0"/>
           </a:p>
@@ -3784,7 +4147,8 @@
                   <a:srgbClr val="000000"/>
                 </a:solidFill>
                 <a:effectLst/>
-                <a:latin typeface="Arial" panose="020B0604020202020204" pitchFamily="34" charset="0"/>
+                <a:latin typeface="Times New Roman" panose="02020603050405020304" pitchFamily="18" charset="0"/>
+                <a:cs typeface="Times New Roman" panose="02020603050405020304" pitchFamily="18" charset="0"/>
               </a:rPr>
               <a:t>position, speed and fitness value</a:t>
             </a:r>
@@ -5144,6 +5508,89 @@
           <a:chExt cx="0" cy="0"/>
         </a:xfrm>
       </p:grpSpPr>
+      <p:sp>
+        <p:nvSpPr>
+          <p:cNvPr id="2" name="文本框 1">
+            <a:extLst>
+              <a:ext uri="{FF2B5EF4-FFF2-40B4-BE49-F238E27FC236}">
+                <a16:creationId xmlns:a16="http://schemas.microsoft.com/office/drawing/2014/main" id="{CF8D20CB-0EC9-4C0D-AF33-682D9D9A5336}"/>
+              </a:ext>
+            </a:extLst>
+          </p:cNvPr>
+          <p:cNvSpPr txBox="1"/>
+          <p:nvPr/>
+        </p:nvSpPr>
+        <p:spPr>
+          <a:xfrm>
+            <a:off x="630315" y="1038687"/>
+            <a:ext cx="4416594" cy="369332"/>
+          </a:xfrm>
+          <a:prstGeom prst="rect">
+            <a:avLst/>
+          </a:prstGeom>
+          <a:noFill/>
+        </p:spPr>
+        <p:txBody>
+          <a:bodyPr wrap="none" rtlCol="0">
+            <a:spAutoFit/>
+          </a:bodyPr>
+          <a:lstStyle/>
+          <a:p>
+            <a:r>
+              <a:rPr lang="zh-CN" altLang="en-US" dirty="0"/>
+              <a:t>小波分析降噪</a:t>
+            </a:r>
+            <a:r>
+              <a:rPr lang="en-US" altLang="zh-CN" dirty="0"/>
+              <a:t>-&gt;</a:t>
+            </a:r>
+            <a:r>
+              <a:rPr lang="zh-CN" altLang="en-US" dirty="0"/>
+              <a:t>随机森林选择更优特征</a:t>
+            </a:r>
+            <a:r>
+              <a:rPr lang="en-US" altLang="zh-CN" dirty="0"/>
+              <a:t>-&gt;</a:t>
+            </a:r>
+            <a:endParaRPr lang="zh-CN" altLang="en-US" dirty="0"/>
+          </a:p>
+        </p:txBody>
+      </p:sp>
+      <p:sp>
+        <p:nvSpPr>
+          <p:cNvPr id="3" name="文本框 2">
+            <a:extLst>
+              <a:ext uri="{FF2B5EF4-FFF2-40B4-BE49-F238E27FC236}">
+                <a16:creationId xmlns:a16="http://schemas.microsoft.com/office/drawing/2014/main" id="{EF77D315-DC60-41CF-B6A3-F10A4B2DD5EB}"/>
+              </a:ext>
+            </a:extLst>
+          </p:cNvPr>
+          <p:cNvSpPr txBox="1"/>
+          <p:nvPr/>
+        </p:nvSpPr>
+        <p:spPr>
+          <a:xfrm>
+            <a:off x="825623" y="3879542"/>
+            <a:ext cx="3185487" cy="369332"/>
+          </a:xfrm>
+          <a:prstGeom prst="rect">
+            <a:avLst/>
+          </a:prstGeom>
+          <a:noFill/>
+        </p:spPr>
+        <p:txBody>
+          <a:bodyPr wrap="none" rtlCol="0">
+            <a:spAutoFit/>
+          </a:bodyPr>
+          <a:lstStyle/>
+          <a:p>
+            <a:r>
+              <a:rPr lang="zh-CN" altLang="en-US" dirty="0"/>
+              <a:t>完全自适应模态分解高低分频</a:t>
+            </a:r>
+          </a:p>
+        </p:txBody>
+      </p:sp>
     </p:spTree>
     <p:extLst>
       <p:ext uri="{BB962C8B-B14F-4D97-AF65-F5344CB8AC3E}">
@@ -5174,6 +5621,36 @@
           <a:chExt cx="0" cy="0"/>
         </a:xfrm>
       </p:grpSpPr>
+      <p:pic>
+        <p:nvPicPr>
+          <p:cNvPr id="2" name="图片 1">
+            <a:extLst>
+              <a:ext uri="{FF2B5EF4-FFF2-40B4-BE49-F238E27FC236}">
+                <a16:creationId xmlns:a16="http://schemas.microsoft.com/office/drawing/2014/main" id="{E203D2AD-ECCA-451E-81B3-E54AE21A954A}"/>
+              </a:ext>
+            </a:extLst>
+          </p:cNvPr>
+          <p:cNvPicPr>
+            <a:picLocks noChangeAspect="1"/>
+          </p:cNvPicPr>
+          <p:nvPr/>
+        </p:nvPicPr>
+        <p:blipFill>
+          <a:blip r:embed="rId2"/>
+          <a:stretch>
+            <a:fillRect/>
+          </a:stretch>
+        </p:blipFill>
+        <p:spPr>
+          <a:xfrm>
+            <a:off x="3495675" y="1338262"/>
+            <a:ext cx="5200650" cy="4181475"/>
+          </a:xfrm>
+          <a:prstGeom prst="rect">
+            <a:avLst/>
+          </a:prstGeom>
+        </p:spPr>
+      </p:pic>
     </p:spTree>
     <p:extLst>
       <p:ext uri="{BB962C8B-B14F-4D97-AF65-F5344CB8AC3E}">
@@ -5204,6 +5681,353 @@
           <a:chExt cx="0" cy="0"/>
         </a:xfrm>
       </p:grpSpPr>
+      <p:sp>
+        <p:nvSpPr>
+          <p:cNvPr id="2" name="文本框 1">
+            <a:extLst>
+              <a:ext uri="{FF2B5EF4-FFF2-40B4-BE49-F238E27FC236}">
+                <a16:creationId xmlns:a16="http://schemas.microsoft.com/office/drawing/2014/main" id="{D1E56994-D5F1-4F94-82F8-C715FE6B0BD0}"/>
+              </a:ext>
+            </a:extLst>
+          </p:cNvPr>
+          <p:cNvSpPr txBox="1"/>
+          <p:nvPr/>
+        </p:nvSpPr>
+        <p:spPr>
+          <a:xfrm>
+            <a:off x="3069452" y="1597955"/>
+            <a:ext cx="1723549" cy="369332"/>
+          </a:xfrm>
+          <a:prstGeom prst="rect">
+            <a:avLst/>
+          </a:prstGeom>
+          <a:noFill/>
+        </p:spPr>
+        <p:txBody>
+          <a:bodyPr wrap="none" rtlCol="0">
+            <a:spAutoFit/>
+          </a:bodyPr>
+          <a:lstStyle/>
+          <a:p>
+            <a:r>
+              <a:rPr lang="zh-CN" altLang="en-US" dirty="0"/>
+              <a:t>降噪</a:t>
+            </a:r>
+            <a:r>
+              <a:rPr lang="en-US" altLang="zh-CN" dirty="0"/>
+              <a:t>+</a:t>
+            </a:r>
+            <a:r>
+              <a:rPr lang="zh-CN" altLang="en-US" dirty="0"/>
+              <a:t>特征选择</a:t>
+            </a:r>
+          </a:p>
+        </p:txBody>
+      </p:sp>
+      <p:sp>
+        <p:nvSpPr>
+          <p:cNvPr id="3" name="文本框 2">
+            <a:extLst>
+              <a:ext uri="{FF2B5EF4-FFF2-40B4-BE49-F238E27FC236}">
+                <a16:creationId xmlns:a16="http://schemas.microsoft.com/office/drawing/2014/main" id="{D60123A3-A0FD-481E-ACA4-39378529FDEA}"/>
+              </a:ext>
+            </a:extLst>
+          </p:cNvPr>
+          <p:cNvSpPr txBox="1"/>
+          <p:nvPr/>
+        </p:nvSpPr>
+        <p:spPr>
+          <a:xfrm>
+            <a:off x="2988610" y="710214"/>
+            <a:ext cx="1855433" cy="369332"/>
+          </a:xfrm>
+          <a:prstGeom prst="rect">
+            <a:avLst/>
+          </a:prstGeom>
+          <a:noFill/>
+        </p:spPr>
+        <p:txBody>
+          <a:bodyPr wrap="square" rtlCol="0">
+            <a:spAutoFit/>
+          </a:bodyPr>
+          <a:lstStyle/>
+          <a:p>
+            <a:r>
+              <a:rPr lang="en-US" altLang="zh-CN" dirty="0"/>
+              <a:t>HI</a:t>
+            </a:r>
+            <a:r>
+              <a:rPr lang="zh-CN" altLang="en-US" dirty="0"/>
+              <a:t>单个加上噪声</a:t>
+            </a:r>
+          </a:p>
+        </p:txBody>
+      </p:sp>
+      <p:cxnSp>
+        <p:nvCxnSpPr>
+          <p:cNvPr id="5" name="直接箭头连接符 4">
+            <a:extLst>
+              <a:ext uri="{FF2B5EF4-FFF2-40B4-BE49-F238E27FC236}">
+                <a16:creationId xmlns:a16="http://schemas.microsoft.com/office/drawing/2014/main" id="{A1A6FCC4-60C8-4397-AD25-D399955D6B55}"/>
+              </a:ext>
+            </a:extLst>
+          </p:cNvPr>
+          <p:cNvCxnSpPr>
+            <a:cxnSpLocks/>
+          </p:cNvCxnSpPr>
+          <p:nvPr/>
+        </p:nvCxnSpPr>
+        <p:spPr>
+          <a:xfrm flipH="1">
+            <a:off x="3916327" y="1079546"/>
+            <a:ext cx="1" cy="456291"/>
+          </a:xfrm>
+          <a:prstGeom prst="straightConnector1">
+            <a:avLst/>
+          </a:prstGeom>
+          <a:ln>
+            <a:tailEnd type="triangle"/>
+          </a:ln>
+        </p:spPr>
+        <p:style>
+          <a:lnRef idx="1">
+            <a:schemeClr val="accent1"/>
+          </a:lnRef>
+          <a:fillRef idx="0">
+            <a:schemeClr val="accent1"/>
+          </a:fillRef>
+          <a:effectRef idx="0">
+            <a:schemeClr val="accent1"/>
+          </a:effectRef>
+          <a:fontRef idx="minor">
+            <a:schemeClr val="tx1"/>
+          </a:fontRef>
+        </p:style>
+      </p:cxnSp>
+      <p:cxnSp>
+        <p:nvCxnSpPr>
+          <p:cNvPr id="7" name="直接箭头连接符 6">
+            <a:extLst>
+              <a:ext uri="{FF2B5EF4-FFF2-40B4-BE49-F238E27FC236}">
+                <a16:creationId xmlns:a16="http://schemas.microsoft.com/office/drawing/2014/main" id="{DCA54609-0B2F-4F85-8F6F-317EBCBF1DA4}"/>
+              </a:ext>
+            </a:extLst>
+          </p:cNvPr>
+          <p:cNvCxnSpPr>
+            <a:cxnSpLocks/>
+          </p:cNvCxnSpPr>
+          <p:nvPr/>
+        </p:nvCxnSpPr>
+        <p:spPr>
+          <a:xfrm>
+            <a:off x="3917910" y="2001006"/>
+            <a:ext cx="13316" cy="617907"/>
+          </a:xfrm>
+          <a:prstGeom prst="straightConnector1">
+            <a:avLst/>
+          </a:prstGeom>
+          <a:ln>
+            <a:tailEnd type="triangle"/>
+          </a:ln>
+        </p:spPr>
+        <p:style>
+          <a:lnRef idx="1">
+            <a:schemeClr val="accent1"/>
+          </a:lnRef>
+          <a:fillRef idx="0">
+            <a:schemeClr val="accent1"/>
+          </a:fillRef>
+          <a:effectRef idx="0">
+            <a:schemeClr val="accent1"/>
+          </a:effectRef>
+          <a:fontRef idx="minor">
+            <a:schemeClr val="tx1"/>
+          </a:fontRef>
+        </p:style>
+      </p:cxnSp>
+      <p:sp>
+        <p:nvSpPr>
+          <p:cNvPr id="9" name="文本框 8">
+            <a:extLst>
+              <a:ext uri="{FF2B5EF4-FFF2-40B4-BE49-F238E27FC236}">
+                <a16:creationId xmlns:a16="http://schemas.microsoft.com/office/drawing/2014/main" id="{CF629A9B-2C87-4166-8E1C-E60B2CDC617C}"/>
+              </a:ext>
+            </a:extLst>
+          </p:cNvPr>
+          <p:cNvSpPr txBox="1"/>
+          <p:nvPr/>
+        </p:nvSpPr>
+        <p:spPr>
+          <a:xfrm>
+            <a:off x="2223066" y="2652632"/>
+            <a:ext cx="3416320" cy="369332"/>
+          </a:xfrm>
+          <a:prstGeom prst="rect">
+            <a:avLst/>
+          </a:prstGeom>
+          <a:noFill/>
+        </p:spPr>
+        <p:txBody>
+          <a:bodyPr wrap="none" rtlCol="0">
+            <a:spAutoFit/>
+          </a:bodyPr>
+          <a:lstStyle/>
+          <a:p>
+            <a:r>
+              <a:rPr lang="zh-CN" altLang="en-US" dirty="0"/>
+              <a:t>已经优化好的特征作为模型输入</a:t>
+            </a:r>
+          </a:p>
+        </p:txBody>
+      </p:sp>
+      <p:cxnSp>
+        <p:nvCxnSpPr>
+          <p:cNvPr id="18" name="直接箭头连接符 17">
+            <a:extLst>
+              <a:ext uri="{FF2B5EF4-FFF2-40B4-BE49-F238E27FC236}">
+                <a16:creationId xmlns:a16="http://schemas.microsoft.com/office/drawing/2014/main" id="{85A2BFD6-8D5B-4073-8086-E567470F52D4}"/>
+              </a:ext>
+            </a:extLst>
+          </p:cNvPr>
+          <p:cNvCxnSpPr/>
+          <p:nvPr/>
+        </p:nvCxnSpPr>
+        <p:spPr>
+          <a:xfrm>
+            <a:off x="3919185" y="3021964"/>
+            <a:ext cx="0" cy="568171"/>
+          </a:xfrm>
+          <a:prstGeom prst="straightConnector1">
+            <a:avLst/>
+          </a:prstGeom>
+          <a:ln>
+            <a:tailEnd type="triangle"/>
+          </a:ln>
+        </p:spPr>
+        <p:style>
+          <a:lnRef idx="1">
+            <a:schemeClr val="accent1"/>
+          </a:lnRef>
+          <a:fillRef idx="0">
+            <a:schemeClr val="accent1"/>
+          </a:fillRef>
+          <a:effectRef idx="0">
+            <a:schemeClr val="accent1"/>
+          </a:effectRef>
+          <a:fontRef idx="minor">
+            <a:schemeClr val="tx1"/>
+          </a:fontRef>
+        </p:style>
+      </p:cxnSp>
+      <p:sp>
+        <p:nvSpPr>
+          <p:cNvPr id="19" name="文本框 18">
+            <a:extLst>
+              <a:ext uri="{FF2B5EF4-FFF2-40B4-BE49-F238E27FC236}">
+                <a16:creationId xmlns:a16="http://schemas.microsoft.com/office/drawing/2014/main" id="{E76875D3-FC7B-430E-883C-94C4C05F9BDE}"/>
+              </a:ext>
+            </a:extLst>
+          </p:cNvPr>
+          <p:cNvSpPr txBox="1"/>
+          <p:nvPr/>
+        </p:nvSpPr>
+        <p:spPr>
+          <a:xfrm>
+            <a:off x="2785247" y="3774801"/>
+            <a:ext cx="2262158" cy="369332"/>
+          </a:xfrm>
+          <a:prstGeom prst="rect">
+            <a:avLst/>
+          </a:prstGeom>
+          <a:noFill/>
+        </p:spPr>
+        <p:txBody>
+          <a:bodyPr wrap="none" rtlCol="0">
+            <a:spAutoFit/>
+          </a:bodyPr>
+          <a:lstStyle/>
+          <a:p>
+            <a:r>
+              <a:rPr lang="zh-CN" altLang="en-US" dirty="0"/>
+              <a:t>优化的模型进行训练</a:t>
+            </a:r>
+          </a:p>
+        </p:txBody>
+      </p:sp>
+      <p:cxnSp>
+        <p:nvCxnSpPr>
+          <p:cNvPr id="21" name="直接箭头连接符 20">
+            <a:extLst>
+              <a:ext uri="{FF2B5EF4-FFF2-40B4-BE49-F238E27FC236}">
+                <a16:creationId xmlns:a16="http://schemas.microsoft.com/office/drawing/2014/main" id="{F7985ABA-7401-4CB7-9B9D-DB9F24554FD7}"/>
+              </a:ext>
+            </a:extLst>
+          </p:cNvPr>
+          <p:cNvCxnSpPr/>
+          <p:nvPr/>
+        </p:nvCxnSpPr>
+        <p:spPr>
+          <a:xfrm>
+            <a:off x="3916326" y="4234649"/>
+            <a:ext cx="0" cy="550415"/>
+          </a:xfrm>
+          <a:prstGeom prst="straightConnector1">
+            <a:avLst/>
+          </a:prstGeom>
+          <a:ln>
+            <a:tailEnd type="triangle"/>
+          </a:ln>
+        </p:spPr>
+        <p:style>
+          <a:lnRef idx="1">
+            <a:schemeClr val="accent1"/>
+          </a:lnRef>
+          <a:fillRef idx="0">
+            <a:schemeClr val="accent1"/>
+          </a:fillRef>
+          <a:effectRef idx="0">
+            <a:schemeClr val="accent1"/>
+          </a:effectRef>
+          <a:fontRef idx="minor">
+            <a:schemeClr val="tx1"/>
+          </a:fontRef>
+        </p:style>
+      </p:cxnSp>
+      <p:sp>
+        <p:nvSpPr>
+          <p:cNvPr id="22" name="文本框 21">
+            <a:extLst>
+              <a:ext uri="{FF2B5EF4-FFF2-40B4-BE49-F238E27FC236}">
+                <a16:creationId xmlns:a16="http://schemas.microsoft.com/office/drawing/2014/main" id="{0957654F-CC17-4A4F-9A77-845319AAA34A}"/>
+              </a:ext>
+            </a:extLst>
+          </p:cNvPr>
+          <p:cNvSpPr txBox="1"/>
+          <p:nvPr/>
+        </p:nvSpPr>
+        <p:spPr>
+          <a:xfrm>
+            <a:off x="3370570" y="4896970"/>
+            <a:ext cx="1107996" cy="369332"/>
+          </a:xfrm>
+          <a:prstGeom prst="rect">
+            <a:avLst/>
+          </a:prstGeom>
+          <a:noFill/>
+        </p:spPr>
+        <p:txBody>
+          <a:bodyPr wrap="none" rtlCol="0">
+            <a:spAutoFit/>
+          </a:bodyPr>
+          <a:lstStyle/>
+          <a:p>
+            <a:r>
+              <a:rPr lang="zh-CN" altLang="en-US" dirty="0"/>
+              <a:t>得到结果</a:t>
+            </a:r>
+          </a:p>
+        </p:txBody>
+      </p:sp>
     </p:spTree>
     <p:extLst>
       <p:ext uri="{BB962C8B-B14F-4D97-AF65-F5344CB8AC3E}">
@@ -5570,4 +6394,299 @@
     </a:ext>
   </a:extLst>
 </a:theme>
+</file>
+
+<file path=ppt/theme/theme2.xml><?xml version="1.0" encoding="utf-8"?>
+<a:theme xmlns:a="http://schemas.openxmlformats.org/drawingml/2006/main" name="Office 主题​​">
+  <a:themeElements>
+    <a:clrScheme name="Office">
+      <a:dk1>
+        <a:sysClr val="windowText" lastClr="000000"/>
+      </a:dk1>
+      <a:lt1>
+        <a:sysClr val="window" lastClr="FFFFFF"/>
+      </a:lt1>
+      <a:dk2>
+        <a:srgbClr val="44546A"/>
+      </a:dk2>
+      <a:lt2>
+        <a:srgbClr val="E7E6E6"/>
+      </a:lt2>
+      <a:accent1>
+        <a:srgbClr val="4472C4"/>
+      </a:accent1>
+      <a:accent2>
+        <a:srgbClr val="ED7D31"/>
+      </a:accent2>
+      <a:accent3>
+        <a:srgbClr val="A5A5A5"/>
+      </a:accent3>
+      <a:accent4>
+        <a:srgbClr val="FFC000"/>
+      </a:accent4>
+      <a:accent5>
+        <a:srgbClr val="5B9BD5"/>
+      </a:accent5>
+      <a:accent6>
+        <a:srgbClr val="70AD47"/>
+      </a:accent6>
+      <a:hlink>
+        <a:srgbClr val="0563C1"/>
+      </a:hlink>
+      <a:folHlink>
+        <a:srgbClr val="954F72"/>
+      </a:folHlink>
+    </a:clrScheme>
+    <a:fontScheme name="Office">
+      <a:majorFont>
+        <a:latin typeface="等线 Light" panose="020F0302020204030204"/>
+        <a:ea typeface=""/>
+        <a:cs typeface=""/>
+        <a:font script="Jpan" typeface="游ゴシック Light"/>
+        <a:font script="Hang" typeface="맑은 고딕"/>
+        <a:font script="Hans" typeface="等线 Light"/>
+        <a:font script="Hant" typeface="新細明體"/>
+        <a:font script="Arab" typeface="Times New Roman"/>
+        <a:font script="Hebr" typeface="Times New Roman"/>
+        <a:font script="Thai" typeface="Angsana New"/>
+        <a:font script="Ethi" typeface="Nyala"/>
+        <a:font script="Beng" typeface="Vrinda"/>
+        <a:font script="Gujr" typeface="Shruti"/>
+        <a:font script="Khmr" typeface="MoolBoran"/>
+        <a:font script="Knda" typeface="Tunga"/>
+        <a:font script="Guru" typeface="Raavi"/>
+        <a:font script="Cans" typeface="Euphemia"/>
+        <a:font script="Cher" typeface="Plantagenet Cherokee"/>
+        <a:font script="Yiii" typeface="Microsoft Yi Baiti"/>
+        <a:font script="Tibt" typeface="Microsoft Himalaya"/>
+        <a:font script="Thaa" typeface="MV Boli"/>
+        <a:font script="Deva" typeface="Mangal"/>
+        <a:font script="Telu" typeface="Gautami"/>
+        <a:font script="Taml" typeface="Latha"/>
+        <a:font script="Syrc" typeface="Estrangelo Edessa"/>
+        <a:font script="Orya" typeface="Kalinga"/>
+        <a:font script="Mlym" typeface="Kartika"/>
+        <a:font script="Laoo" typeface="DokChampa"/>
+        <a:font script="Sinh" typeface="Iskoola Pota"/>
+        <a:font script="Mong" typeface="Mongolian Baiti"/>
+        <a:font script="Viet" typeface="Times New Roman"/>
+        <a:font script="Uigh" typeface="Microsoft Uighur"/>
+        <a:font script="Geor" typeface="Sylfaen"/>
+        <a:font script="Armn" typeface="Arial"/>
+        <a:font script="Bugi" typeface="Leelawadee UI"/>
+        <a:font script="Bopo" typeface="Microsoft JhengHei"/>
+        <a:font script="Java" typeface="Javanese Text"/>
+        <a:font script="Lisu" typeface="Segoe UI"/>
+        <a:font script="Mymr" typeface="Myanmar Text"/>
+        <a:font script="Nkoo" typeface="Ebrima"/>
+        <a:font script="Olck" typeface="Nirmala UI"/>
+        <a:font script="Osma" typeface="Ebrima"/>
+        <a:font script="Phag" typeface="Phagspa"/>
+        <a:font script="Syrn" typeface="Estrangelo Edessa"/>
+        <a:font script="Syrj" typeface="Estrangelo Edessa"/>
+        <a:font script="Syre" typeface="Estrangelo Edessa"/>
+        <a:font script="Sora" typeface="Nirmala UI"/>
+        <a:font script="Tale" typeface="Microsoft Tai Le"/>
+        <a:font script="Talu" typeface="Microsoft New Tai Lue"/>
+        <a:font script="Tfng" typeface="Ebrima"/>
+      </a:majorFont>
+      <a:minorFont>
+        <a:latin typeface="等线" panose="020F0502020204030204"/>
+        <a:ea typeface=""/>
+        <a:cs typeface=""/>
+        <a:font script="Jpan" typeface="游ゴシック"/>
+        <a:font script="Hang" typeface="맑은 고딕"/>
+        <a:font script="Hans" typeface="等线"/>
+        <a:font script="Hant" typeface="新細明體"/>
+        <a:font script="Arab" typeface="Arial"/>
+        <a:font script="Hebr" typeface="Arial"/>
+        <a:font script="Thai" typeface="Cordia New"/>
+        <a:font script="Ethi" typeface="Nyala"/>
+        <a:font script="Beng" typeface="Vrinda"/>
+        <a:font script="Gujr" typeface="Shruti"/>
+        <a:font script="Khmr" typeface="DaunPenh"/>
+        <a:font script="Knda" typeface="Tunga"/>
+        <a:font script="Guru" typeface="Raavi"/>
+        <a:font script="Cans" typeface="Euphemia"/>
+        <a:font script="Cher" typeface="Plantagenet Cherokee"/>
+        <a:font script="Yiii" typeface="Microsoft Yi Baiti"/>
+        <a:font script="Tibt" typeface="Microsoft Himalaya"/>
+        <a:font script="Thaa" typeface="MV Boli"/>
+        <a:font script="Deva" typeface="Mangal"/>
+        <a:font script="Telu" typeface="Gautami"/>
+        <a:font script="Taml" typeface="Latha"/>
+        <a:font script="Syrc" typeface="Estrangelo Edessa"/>
+        <a:font script="Orya" typeface="Kalinga"/>
+        <a:font script="Mlym" typeface="Kartika"/>
+        <a:font script="Laoo" typeface="DokChampa"/>
+        <a:font script="Sinh" typeface="Iskoola Pota"/>
+        <a:font script="Mong" typeface="Mongolian Baiti"/>
+        <a:font script="Viet" typeface="Arial"/>
+        <a:font script="Uigh" typeface="Microsoft Uighur"/>
+        <a:font script="Geor" typeface="Sylfaen"/>
+        <a:font script="Armn" typeface="Arial"/>
+        <a:font script="Bugi" typeface="Leelawadee UI"/>
+        <a:font script="Bopo" typeface="Microsoft JhengHei"/>
+        <a:font script="Java" typeface="Javanese Text"/>
+        <a:font script="Lisu" typeface="Segoe UI"/>
+        <a:font script="Mymr" typeface="Myanmar Text"/>
+        <a:font script="Nkoo" typeface="Ebrima"/>
+        <a:font script="Olck" typeface="Nirmala UI"/>
+        <a:font script="Osma" typeface="Ebrima"/>
+        <a:font script="Phag" typeface="Phagspa"/>
+        <a:font script="Syrn" typeface="Estrangelo Edessa"/>
+        <a:font script="Syrj" typeface="Estrangelo Edessa"/>
+        <a:font script="Syre" typeface="Estrangelo Edessa"/>
+        <a:font script="Sora" typeface="Nirmala UI"/>
+        <a:font script="Tale" typeface="Microsoft Tai Le"/>
+        <a:font script="Talu" typeface="Microsoft New Tai Lue"/>
+        <a:font script="Tfng" typeface="Ebrima"/>
+      </a:minorFont>
+    </a:fontScheme>
+    <a:fmtScheme name="Office">
+      <a:fillStyleLst>
+        <a:solidFill>
+          <a:schemeClr val="phClr"/>
+        </a:solidFill>
+        <a:gradFill rotWithShape="1">
+          <a:gsLst>
+            <a:gs pos="0">
+              <a:schemeClr val="phClr">
+                <a:lumMod val="110000"/>
+                <a:satMod val="105000"/>
+                <a:tint val="67000"/>
+              </a:schemeClr>
+            </a:gs>
+            <a:gs pos="50000">
+              <a:schemeClr val="phClr">
+                <a:lumMod val="105000"/>
+                <a:satMod val="103000"/>
+                <a:tint val="73000"/>
+              </a:schemeClr>
+            </a:gs>
+            <a:gs pos="100000">
+              <a:schemeClr val="phClr">
+                <a:lumMod val="105000"/>
+                <a:satMod val="109000"/>
+                <a:tint val="81000"/>
+              </a:schemeClr>
+            </a:gs>
+          </a:gsLst>
+          <a:lin ang="5400000" scaled="0"/>
+        </a:gradFill>
+        <a:gradFill rotWithShape="1">
+          <a:gsLst>
+            <a:gs pos="0">
+              <a:schemeClr val="phClr">
+                <a:satMod val="103000"/>
+                <a:lumMod val="102000"/>
+                <a:tint val="94000"/>
+              </a:schemeClr>
+            </a:gs>
+            <a:gs pos="50000">
+              <a:schemeClr val="phClr">
+                <a:satMod val="110000"/>
+                <a:lumMod val="100000"/>
+                <a:shade val="100000"/>
+              </a:schemeClr>
+            </a:gs>
+            <a:gs pos="100000">
+              <a:schemeClr val="phClr">
+                <a:lumMod val="99000"/>
+                <a:satMod val="120000"/>
+                <a:shade val="78000"/>
+              </a:schemeClr>
+            </a:gs>
+          </a:gsLst>
+          <a:lin ang="5400000" scaled="0"/>
+        </a:gradFill>
+      </a:fillStyleLst>
+      <a:lnStyleLst>
+        <a:ln w="6350" cap="flat" cmpd="sng" algn="ctr">
+          <a:solidFill>
+            <a:schemeClr val="phClr"/>
+          </a:solidFill>
+          <a:prstDash val="solid"/>
+          <a:miter lim="800000"/>
+        </a:ln>
+        <a:ln w="12700" cap="flat" cmpd="sng" algn="ctr">
+          <a:solidFill>
+            <a:schemeClr val="phClr"/>
+          </a:solidFill>
+          <a:prstDash val="solid"/>
+          <a:miter lim="800000"/>
+        </a:ln>
+        <a:ln w="19050" cap="flat" cmpd="sng" algn="ctr">
+          <a:solidFill>
+            <a:schemeClr val="phClr"/>
+          </a:solidFill>
+          <a:prstDash val="solid"/>
+          <a:miter lim="800000"/>
+        </a:ln>
+      </a:lnStyleLst>
+      <a:effectStyleLst>
+        <a:effectStyle>
+          <a:effectLst/>
+        </a:effectStyle>
+        <a:effectStyle>
+          <a:effectLst/>
+        </a:effectStyle>
+        <a:effectStyle>
+          <a:effectLst>
+            <a:outerShdw blurRad="57150" dist="19050" dir="5400000" algn="ctr" rotWithShape="0">
+              <a:srgbClr val="000000">
+                <a:alpha val="63000"/>
+              </a:srgbClr>
+            </a:outerShdw>
+          </a:effectLst>
+        </a:effectStyle>
+      </a:effectStyleLst>
+      <a:bgFillStyleLst>
+        <a:solidFill>
+          <a:schemeClr val="phClr"/>
+        </a:solidFill>
+        <a:solidFill>
+          <a:schemeClr val="phClr">
+            <a:tint val="95000"/>
+            <a:satMod val="170000"/>
+          </a:schemeClr>
+        </a:solidFill>
+        <a:gradFill rotWithShape="1">
+          <a:gsLst>
+            <a:gs pos="0">
+              <a:schemeClr val="phClr">
+                <a:tint val="93000"/>
+                <a:satMod val="150000"/>
+                <a:shade val="98000"/>
+                <a:lumMod val="102000"/>
+              </a:schemeClr>
+            </a:gs>
+            <a:gs pos="50000">
+              <a:schemeClr val="phClr">
+                <a:tint val="98000"/>
+                <a:satMod val="130000"/>
+                <a:shade val="90000"/>
+                <a:lumMod val="103000"/>
+              </a:schemeClr>
+            </a:gs>
+            <a:gs pos="100000">
+              <a:schemeClr val="phClr">
+                <a:shade val="63000"/>
+                <a:satMod val="120000"/>
+              </a:schemeClr>
+            </a:gs>
+          </a:gsLst>
+          <a:lin ang="5400000" scaled="0"/>
+        </a:gradFill>
+      </a:bgFillStyleLst>
+    </a:fmtScheme>
+  </a:themeElements>
+  <a:objectDefaults/>
+  <a:extraClrSchemeLst/>
+  <a:extLst>
+    <a:ext uri="{05A4C25C-085E-4340-85A3-A5531E510DB2}">
+      <thm15:themeFamily xmlns:thm15="http://schemas.microsoft.com/office/thememl/2012/main" name="Office Theme" id="{62F939B6-93AF-4DB8-9C6B-D6C7DFDC589F}" vid="{4A3C46E8-61CC-4603-A589-7422A47A8E4A}"/>
+    </a:ext>
+  </a:extLst>
+</a:theme>
 </file>